--- a/Figure1/figure1_alt.pptx
+++ b/Figure1/figure1_alt.pptx
@@ -208,7 +208,7 @@
           <a:p>
             <a:fld id="{EE71EE4F-1070-4843-8F04-FAA00A473E71}" type="datetimeFigureOut">
               <a:rPr lang="en-GB" smtClean="0"/>
-              <a:t>31/03/2025</a:t>
+              <a:t>08/04/2025</a:t>
             </a:fld>
             <a:endParaRPr lang="en-GB"/>
           </a:p>
@@ -695,7 +695,7 @@
           <a:p>
             <a:fld id="{69692BFF-6F05-AF42-AB3E-12F88C32B737}" type="datetimeFigureOut">
               <a:rPr lang="en-GB" smtClean="0"/>
-              <a:t>31/03/2025</a:t>
+              <a:t>08/04/2025</a:t>
             </a:fld>
             <a:endParaRPr lang="en-GB"/>
           </a:p>
@@ -865,7 +865,7 @@
           <a:p>
             <a:fld id="{69692BFF-6F05-AF42-AB3E-12F88C32B737}" type="datetimeFigureOut">
               <a:rPr lang="en-GB" smtClean="0"/>
-              <a:t>31/03/2025</a:t>
+              <a:t>08/04/2025</a:t>
             </a:fld>
             <a:endParaRPr lang="en-GB"/>
           </a:p>
@@ -1045,7 +1045,7 @@
           <a:p>
             <a:fld id="{69692BFF-6F05-AF42-AB3E-12F88C32B737}" type="datetimeFigureOut">
               <a:rPr lang="en-GB" smtClean="0"/>
-              <a:t>31/03/2025</a:t>
+              <a:t>08/04/2025</a:t>
             </a:fld>
             <a:endParaRPr lang="en-GB"/>
           </a:p>
@@ -1215,7 +1215,7 @@
           <a:p>
             <a:fld id="{69692BFF-6F05-AF42-AB3E-12F88C32B737}" type="datetimeFigureOut">
               <a:rPr lang="en-GB" smtClean="0"/>
-              <a:t>31/03/2025</a:t>
+              <a:t>08/04/2025</a:t>
             </a:fld>
             <a:endParaRPr lang="en-GB"/>
           </a:p>
@@ -1461,7 +1461,7 @@
           <a:p>
             <a:fld id="{69692BFF-6F05-AF42-AB3E-12F88C32B737}" type="datetimeFigureOut">
               <a:rPr lang="en-GB" smtClean="0"/>
-              <a:t>31/03/2025</a:t>
+              <a:t>08/04/2025</a:t>
             </a:fld>
             <a:endParaRPr lang="en-GB"/>
           </a:p>
@@ -1693,7 +1693,7 @@
           <a:p>
             <a:fld id="{69692BFF-6F05-AF42-AB3E-12F88C32B737}" type="datetimeFigureOut">
               <a:rPr lang="en-GB" smtClean="0"/>
-              <a:t>31/03/2025</a:t>
+              <a:t>08/04/2025</a:t>
             </a:fld>
             <a:endParaRPr lang="en-GB"/>
           </a:p>
@@ -2060,7 +2060,7 @@
           <a:p>
             <a:fld id="{69692BFF-6F05-AF42-AB3E-12F88C32B737}" type="datetimeFigureOut">
               <a:rPr lang="en-GB" smtClean="0"/>
-              <a:t>31/03/2025</a:t>
+              <a:t>08/04/2025</a:t>
             </a:fld>
             <a:endParaRPr lang="en-GB"/>
           </a:p>
@@ -2178,7 +2178,7 @@
           <a:p>
             <a:fld id="{69692BFF-6F05-AF42-AB3E-12F88C32B737}" type="datetimeFigureOut">
               <a:rPr lang="en-GB" smtClean="0"/>
-              <a:t>31/03/2025</a:t>
+              <a:t>08/04/2025</a:t>
             </a:fld>
             <a:endParaRPr lang="en-GB"/>
           </a:p>
@@ -2273,7 +2273,7 @@
           <a:p>
             <a:fld id="{69692BFF-6F05-AF42-AB3E-12F88C32B737}" type="datetimeFigureOut">
               <a:rPr lang="en-GB" smtClean="0"/>
-              <a:t>31/03/2025</a:t>
+              <a:t>08/04/2025</a:t>
             </a:fld>
             <a:endParaRPr lang="en-GB"/>
           </a:p>
@@ -2550,7 +2550,7 @@
           <a:p>
             <a:fld id="{69692BFF-6F05-AF42-AB3E-12F88C32B737}" type="datetimeFigureOut">
               <a:rPr lang="en-GB" smtClean="0"/>
-              <a:t>31/03/2025</a:t>
+              <a:t>08/04/2025</a:t>
             </a:fld>
             <a:endParaRPr lang="en-GB"/>
           </a:p>
@@ -2807,7 +2807,7 @@
           <a:p>
             <a:fld id="{69692BFF-6F05-AF42-AB3E-12F88C32B737}" type="datetimeFigureOut">
               <a:rPr lang="en-GB" smtClean="0"/>
-              <a:t>31/03/2025</a:t>
+              <a:t>08/04/2025</a:t>
             </a:fld>
             <a:endParaRPr lang="en-GB"/>
           </a:p>
@@ -3020,7 +3020,7 @@
           <a:p>
             <a:fld id="{69692BFF-6F05-AF42-AB3E-12F88C32B737}" type="datetimeFigureOut">
               <a:rPr lang="en-GB" smtClean="0"/>
-              <a:t>31/03/2025</a:t>
+              <a:t>08/04/2025</a:t>
             </a:fld>
             <a:endParaRPr lang="en-GB"/>
           </a:p>
@@ -3425,6 +3425,78 @@
           <a:chExt cx="0" cy="0"/>
         </a:xfrm>
       </p:grpSpPr>
+      <p:pic>
+        <p:nvPicPr>
+          <p:cNvPr id="15" name="Graphic 14">
+            <a:extLst>
+              <a:ext uri="{FF2B5EF4-FFF2-40B4-BE49-F238E27FC236}">
+                <a16:creationId xmlns:a16="http://schemas.microsoft.com/office/drawing/2014/main" id="{0CC5A5FE-07EE-839E-9DDA-08E7F8C037CE}"/>
+              </a:ext>
+            </a:extLst>
+          </p:cNvPr>
+          <p:cNvPicPr>
+            <a:picLocks noChangeAspect="1"/>
+          </p:cNvPicPr>
+          <p:nvPr/>
+        </p:nvPicPr>
+        <p:blipFill>
+          <a:blip r:embed="rId3">
+            <a:extLst>
+              <a:ext uri="{96DAC541-7B7A-43D3-8B79-37D633B846F1}">
+                <asvg:svgBlip xmlns:asvg="http://schemas.microsoft.com/office/drawing/2016/SVG/main" r:embed="rId4"/>
+              </a:ext>
+            </a:extLst>
+          </a:blip>
+          <a:stretch>
+            <a:fillRect/>
+          </a:stretch>
+        </p:blipFill>
+        <p:spPr>
+          <a:xfrm>
+            <a:off x="4739400" y="836015"/>
+            <a:ext cx="786384" cy="786384"/>
+          </a:xfrm>
+          <a:prstGeom prst="rect">
+            <a:avLst/>
+          </a:prstGeom>
+        </p:spPr>
+      </p:pic>
+      <p:pic>
+        <p:nvPicPr>
+          <p:cNvPr id="9" name="Graphic 8">
+            <a:extLst>
+              <a:ext uri="{FF2B5EF4-FFF2-40B4-BE49-F238E27FC236}">
+                <a16:creationId xmlns:a16="http://schemas.microsoft.com/office/drawing/2014/main" id="{2CF93C9D-7104-4E03-5198-46BF23E753DD}"/>
+              </a:ext>
+            </a:extLst>
+          </p:cNvPr>
+          <p:cNvPicPr>
+            <a:picLocks noChangeAspect="1"/>
+          </p:cNvPicPr>
+          <p:nvPr/>
+        </p:nvPicPr>
+        <p:blipFill>
+          <a:blip r:embed="rId5">
+            <a:extLst>
+              <a:ext uri="{96DAC541-7B7A-43D3-8B79-37D633B846F1}">
+                <asvg:svgBlip xmlns:asvg="http://schemas.microsoft.com/office/drawing/2016/SVG/main" r:embed="rId6"/>
+              </a:ext>
+            </a:extLst>
+          </a:blip>
+          <a:stretch>
+            <a:fillRect/>
+          </a:stretch>
+        </p:blipFill>
+        <p:spPr>
+          <a:xfrm>
+            <a:off x="199800" y="544978"/>
+            <a:ext cx="585216" cy="585216"/>
+          </a:xfrm>
+          <a:prstGeom prst="rect">
+            <a:avLst/>
+          </a:prstGeom>
+        </p:spPr>
+      </p:pic>
       <p:sp>
         <p:nvSpPr>
           <p:cNvPr id="118" name="TextBox 117">
@@ -3586,10 +3658,10 @@
           <p:nvPr/>
         </p:nvPicPr>
         <p:blipFill>
-          <a:blip r:embed="rId3">
+          <a:blip r:embed="rId7">
             <a:extLst>
               <a:ext uri="{96DAC541-7B7A-43D3-8B79-37D633B846F1}">
-                <asvg:svgBlip xmlns:asvg="http://schemas.microsoft.com/office/drawing/2016/SVG/main" r:embed="rId4"/>
+                <asvg:svgBlip xmlns:asvg="http://schemas.microsoft.com/office/drawing/2016/SVG/main" r:embed="rId8"/>
               </a:ext>
             </a:extLst>
           </a:blip>
@@ -3622,10 +3694,10 @@
           <p:nvPr/>
         </p:nvPicPr>
         <p:blipFill>
-          <a:blip r:embed="rId5">
+          <a:blip r:embed="rId9">
             <a:extLst>
               <a:ext uri="{96DAC541-7B7A-43D3-8B79-37D633B846F1}">
-                <asvg:svgBlip xmlns:asvg="http://schemas.microsoft.com/office/drawing/2016/SVG/main" r:embed="rId6"/>
+                <asvg:svgBlip xmlns:asvg="http://schemas.microsoft.com/office/drawing/2016/SVG/main" r:embed="rId10"/>
               </a:ext>
             </a:extLst>
           </a:blip>
@@ -7327,7 +7399,7 @@
           <p:nvPr/>
         </p:nvPicPr>
         <p:blipFill>
-          <a:blip r:embed="rId33">
+          <a:blip r:embed="rId35">
             <a:extLst>
               <a:ext uri="{96DAC541-7B7A-43D3-8B79-37D633B846F1}">
                 <asvg:svgBlip xmlns:asvg="http://schemas.microsoft.com/office/drawing/2016/SVG/main" r:embed="rId34"/>
@@ -7384,68 +7456,8 @@
           </a:prstGeom>
         </p:spPr>
       </p:pic>
-      <p:pic>
-        <p:nvPicPr>
-          <p:cNvPr id="12" name="Picture 11">
-            <a:extLst>
-              <a:ext uri="{FF2B5EF4-FFF2-40B4-BE49-F238E27FC236}">
-                <a16:creationId xmlns:a16="http://schemas.microsoft.com/office/drawing/2014/main" id="{CE6C97DB-77B9-ECDC-D323-73C05B3DDA93}"/>
-              </a:ext>
-            </a:extLst>
-          </p:cNvPr>
-          <p:cNvPicPr>
-            <a:picLocks noChangeAspect="1"/>
-          </p:cNvPicPr>
-          <p:nvPr/>
-        </p:nvPicPr>
-        <p:blipFill>
-          <a:blip r:embed="rId37"/>
-          <a:stretch>
-            <a:fillRect/>
-          </a:stretch>
-        </p:blipFill>
-        <p:spPr>
-          <a:xfrm>
-            <a:off x="4768507" y="846193"/>
-            <a:ext cx="782301" cy="782301"/>
-          </a:xfrm>
-          <a:prstGeom prst="rect">
-            <a:avLst/>
-          </a:prstGeom>
-        </p:spPr>
-      </p:pic>
-      <p:pic>
-        <p:nvPicPr>
-          <p:cNvPr id="14" name="Picture 13">
-            <a:extLst>
-              <a:ext uri="{FF2B5EF4-FFF2-40B4-BE49-F238E27FC236}">
-                <a16:creationId xmlns:a16="http://schemas.microsoft.com/office/drawing/2014/main" id="{40B137FC-6870-FC80-E620-9851C4F404EA}"/>
-              </a:ext>
-            </a:extLst>
-          </p:cNvPr>
-          <p:cNvPicPr>
-            <a:picLocks noChangeAspect="1"/>
-          </p:cNvPicPr>
-          <p:nvPr/>
-        </p:nvPicPr>
-        <p:blipFill>
-          <a:blip r:embed="rId38"/>
-          <a:stretch>
-            <a:fillRect/>
-          </a:stretch>
-        </p:blipFill>
-        <p:spPr>
-          <a:xfrm>
-            <a:off x="174003" y="547284"/>
-            <a:ext cx="589038" cy="589038"/>
-          </a:xfrm>
-          <a:prstGeom prst="rect">
-            <a:avLst/>
-          </a:prstGeom>
-        </p:spPr>
-      </p:pic>
-      <mc:AlternateContent xmlns:mc="http://schemas.openxmlformats.org/markup-compatibility/2006">
-        <mc:Choice xmlns:a14="http://schemas.microsoft.com/office/drawing/2010/main" Requires="a14">
+      <mc:AlternateContent xmlns:mc="http://schemas.openxmlformats.org/markup-compatibility/2006" xmlns:a14="http://schemas.microsoft.com/office/drawing/2010/main">
+        <mc:Choice Requires="a14">
           <p:sp>
             <p:nvSpPr>
               <p:cNvPr id="580" name="TextBox 579">
@@ -7503,7 +7515,7 @@
             </p:txBody>
           </p:sp>
         </mc:Choice>
-        <mc:Fallback>
+        <mc:Fallback xmlns="">
           <p:sp>
             <p:nvSpPr>
               <p:cNvPr id="580" name="TextBox 579">
